--- a/figs/recon_task_manager_logo.pptx
+++ b/figs/recon_task_manager_logo.pptx
@@ -6,8 +6,11 @@
   </p:sldMasterIdLst>
   <p:sldIdLst>
     <p:sldId id="256" r:id="rId3"/>
+    <p:sldId id="257" r:id="rId4"/>
+    <p:sldId id="258" r:id="rId5"/>
+    <p:sldId id="259" r:id="rId6"/>
   </p:sldIdLst>
-  <p:sldSz cx="12192000" cy="6858000"/>
+  <p:sldSz cx="12193587" cy="6858000"/>
   <p:notesSz cx="7772400" cy="10058400"/>
 </p:presentation>
 </file>
@@ -53,7 +56,7 @@
       </p:grpSpPr>
       <p:sp>
         <p:nvSpPr>
-          <p:cNvPr id="25" name="PlaceHolder 1"/>
+          <p:cNvPr id="23" name="PlaceHolder 1"/>
           <p:cNvSpPr>
             <a:spLocks noGrp="1"/>
           </p:cNvSpPr>
@@ -64,7 +67,7 @@
         <p:spPr>
           <a:xfrm>
             <a:off x="1523880" y="1122480"/>
-            <a:ext cx="9143640" cy="2387160"/>
+            <a:ext cx="9144000" cy="2386800"/>
           </a:xfrm>
           <a:prstGeom prst="rect">
             <a:avLst/>
@@ -75,18 +78,16 @@
             <a:noAutofit/>
           </a:bodyPr>
           <a:p>
-            <a:endParaRPr b="0" lang="fr-FR" sz="1800" spc="-1" strike="noStrike">
-              <a:solidFill>
-                <a:srgbClr val="000000"/>
-              </a:solidFill>
-              <a:latin typeface="Calibri"/>
-            </a:endParaRPr>
-          </a:p>
-        </p:txBody>
-      </p:sp>
-      <p:sp>
-        <p:nvSpPr>
-          <p:cNvPr id="26" name="PlaceHolder 2"/>
+            <a:pPr algn="ctr"/>
+            <a:endParaRPr b="0" lang="en-GB" sz="4400" spc="-1" strike="noStrike">
+              <a:latin typeface="Arial"/>
+            </a:endParaRPr>
+          </a:p>
+        </p:txBody>
+      </p:sp>
+      <p:sp>
+        <p:nvSpPr>
+          <p:cNvPr id="24" name="PlaceHolder 2"/>
           <p:cNvSpPr>
             <a:spLocks noGrp="1"/>
           </p:cNvSpPr>
@@ -97,29 +98,26 @@
         <p:spPr>
           <a:xfrm>
             <a:off x="609480" y="1604520"/>
-            <a:ext cx="10972440" cy="1896840"/>
-          </a:xfrm>
-          <a:prstGeom prst="rect">
-            <a:avLst/>
-          </a:prstGeom>
-        </p:spPr>
-        <p:txBody>
-          <a:bodyPr lIns="0" rIns="0" tIns="0" bIns="0">
-            <a:normAutofit/>
-          </a:bodyPr>
-          <a:p>
-            <a:endParaRPr b="0" lang="fr-FR" sz="2800" spc="-1" strike="noStrike">
-              <a:solidFill>
-                <a:srgbClr val="000000"/>
-              </a:solidFill>
-              <a:latin typeface="Calibri"/>
-            </a:endParaRPr>
-          </a:p>
-        </p:txBody>
-      </p:sp>
-      <p:sp>
-        <p:nvSpPr>
-          <p:cNvPr id="27" name="PlaceHolder 3"/>
+            <a:ext cx="10973520" cy="1896840"/>
+          </a:xfrm>
+          <a:prstGeom prst="rect">
+            <a:avLst/>
+          </a:prstGeom>
+        </p:spPr>
+        <p:txBody>
+          <a:bodyPr lIns="0" rIns="0" tIns="0" bIns="0">
+            <a:normAutofit/>
+          </a:bodyPr>
+          <a:p>
+            <a:endParaRPr b="0" lang="en-GB" sz="3200" spc="-1" strike="noStrike">
+              <a:latin typeface="Arial"/>
+            </a:endParaRPr>
+          </a:p>
+        </p:txBody>
+      </p:sp>
+      <p:sp>
+        <p:nvSpPr>
+          <p:cNvPr id="25" name="PlaceHolder 3"/>
           <p:cNvSpPr>
             <a:spLocks noGrp="1"/>
           </p:cNvSpPr>
@@ -130,22 +128,19 @@
         <p:spPr>
           <a:xfrm>
             <a:off x="609480" y="3682080"/>
-            <a:ext cx="10972440" cy="1896840"/>
-          </a:xfrm>
-          <a:prstGeom prst="rect">
-            <a:avLst/>
-          </a:prstGeom>
-        </p:spPr>
-        <p:txBody>
-          <a:bodyPr lIns="0" rIns="0" tIns="0" bIns="0">
-            <a:normAutofit/>
-          </a:bodyPr>
-          <a:p>
-            <a:endParaRPr b="0" lang="fr-FR" sz="2800" spc="-1" strike="noStrike">
-              <a:solidFill>
-                <a:srgbClr val="000000"/>
-              </a:solidFill>
-              <a:latin typeface="Calibri"/>
+            <a:ext cx="10973520" cy="1896840"/>
+          </a:xfrm>
+          <a:prstGeom prst="rect">
+            <a:avLst/>
+          </a:prstGeom>
+        </p:spPr>
+        <p:txBody>
+          <a:bodyPr lIns="0" rIns="0" tIns="0" bIns="0">
+            <a:normAutofit/>
+          </a:bodyPr>
+          <a:p>
+            <a:endParaRPr b="0" lang="en-GB" sz="3200" spc="-1" strike="noStrike">
+              <a:latin typeface="Arial"/>
             </a:endParaRPr>
           </a:p>
         </p:txBody>
@@ -174,7 +169,7 @@
       </p:grpSpPr>
       <p:sp>
         <p:nvSpPr>
-          <p:cNvPr id="28" name="PlaceHolder 1"/>
+          <p:cNvPr id="26" name="PlaceHolder 1"/>
           <p:cNvSpPr>
             <a:spLocks noGrp="1"/>
           </p:cNvSpPr>
@@ -185,7 +180,7 @@
         <p:spPr>
           <a:xfrm>
             <a:off x="1523880" y="1122480"/>
-            <a:ext cx="9143640" cy="2387160"/>
+            <a:ext cx="9144000" cy="2386800"/>
           </a:xfrm>
           <a:prstGeom prst="rect">
             <a:avLst/>
@@ -196,18 +191,16 @@
             <a:noAutofit/>
           </a:bodyPr>
           <a:p>
-            <a:endParaRPr b="0" lang="fr-FR" sz="1800" spc="-1" strike="noStrike">
-              <a:solidFill>
-                <a:srgbClr val="000000"/>
-              </a:solidFill>
-              <a:latin typeface="Calibri"/>
-            </a:endParaRPr>
-          </a:p>
-        </p:txBody>
-      </p:sp>
-      <p:sp>
-        <p:nvSpPr>
-          <p:cNvPr id="29" name="PlaceHolder 2"/>
+            <a:pPr algn="ctr"/>
+            <a:endParaRPr b="0" lang="en-GB" sz="4400" spc="-1" strike="noStrike">
+              <a:latin typeface="Arial"/>
+            </a:endParaRPr>
+          </a:p>
+        </p:txBody>
+      </p:sp>
+      <p:sp>
+        <p:nvSpPr>
+          <p:cNvPr id="27" name="PlaceHolder 2"/>
           <p:cNvSpPr>
             <a:spLocks noGrp="1"/>
           </p:cNvSpPr>
@@ -218,62 +211,56 @@
         <p:spPr>
           <a:xfrm>
             <a:off x="609480" y="1604520"/>
-            <a:ext cx="5354280" cy="1896840"/>
-          </a:xfrm>
-          <a:prstGeom prst="rect">
-            <a:avLst/>
-          </a:prstGeom>
-        </p:spPr>
-        <p:txBody>
-          <a:bodyPr lIns="0" rIns="0" tIns="0" bIns="0">
-            <a:normAutofit/>
-          </a:bodyPr>
-          <a:p>
-            <a:endParaRPr b="0" lang="fr-FR" sz="2800" spc="-1" strike="noStrike">
-              <a:solidFill>
-                <a:srgbClr val="000000"/>
-              </a:solidFill>
-              <a:latin typeface="Calibri"/>
-            </a:endParaRPr>
-          </a:p>
-        </p:txBody>
-      </p:sp>
-      <p:sp>
-        <p:nvSpPr>
-          <p:cNvPr id="30" name="PlaceHolder 3"/>
-          <p:cNvSpPr>
-            <a:spLocks noGrp="1"/>
-          </p:cNvSpPr>
-          <p:nvPr>
-            <p:ph type="body"/>
-          </p:nvPr>
-        </p:nvSpPr>
-        <p:spPr>
-          <a:xfrm>
-            <a:off x="6231960" y="1604520"/>
-            <a:ext cx="5354280" cy="1896840"/>
-          </a:xfrm>
-          <a:prstGeom prst="rect">
-            <a:avLst/>
-          </a:prstGeom>
-        </p:spPr>
-        <p:txBody>
-          <a:bodyPr lIns="0" rIns="0" tIns="0" bIns="0">
-            <a:normAutofit/>
-          </a:bodyPr>
-          <a:p>
-            <a:endParaRPr b="0" lang="fr-FR" sz="2800" spc="-1" strike="noStrike">
-              <a:solidFill>
-                <a:srgbClr val="000000"/>
-              </a:solidFill>
-              <a:latin typeface="Calibri"/>
-            </a:endParaRPr>
-          </a:p>
-        </p:txBody>
-      </p:sp>
-      <p:sp>
-        <p:nvSpPr>
-          <p:cNvPr id="31" name="PlaceHolder 4"/>
+            <a:ext cx="5355000" cy="1896840"/>
+          </a:xfrm>
+          <a:prstGeom prst="rect">
+            <a:avLst/>
+          </a:prstGeom>
+        </p:spPr>
+        <p:txBody>
+          <a:bodyPr lIns="0" rIns="0" tIns="0" bIns="0">
+            <a:normAutofit/>
+          </a:bodyPr>
+          <a:p>
+            <a:endParaRPr b="0" lang="en-GB" sz="3200" spc="-1" strike="noStrike">
+              <a:latin typeface="Arial"/>
+            </a:endParaRPr>
+          </a:p>
+        </p:txBody>
+      </p:sp>
+      <p:sp>
+        <p:nvSpPr>
+          <p:cNvPr id="28" name="PlaceHolder 3"/>
+          <p:cNvSpPr>
+            <a:spLocks noGrp="1"/>
+          </p:cNvSpPr>
+          <p:nvPr>
+            <p:ph type="body"/>
+          </p:nvPr>
+        </p:nvSpPr>
+        <p:spPr>
+          <a:xfrm>
+            <a:off x="6232680" y="1604520"/>
+            <a:ext cx="5355000" cy="1896840"/>
+          </a:xfrm>
+          <a:prstGeom prst="rect">
+            <a:avLst/>
+          </a:prstGeom>
+        </p:spPr>
+        <p:txBody>
+          <a:bodyPr lIns="0" rIns="0" tIns="0" bIns="0">
+            <a:normAutofit/>
+          </a:bodyPr>
+          <a:p>
+            <a:endParaRPr b="0" lang="en-GB" sz="3200" spc="-1" strike="noStrike">
+              <a:latin typeface="Arial"/>
+            </a:endParaRPr>
+          </a:p>
+        </p:txBody>
+      </p:sp>
+      <p:sp>
+        <p:nvSpPr>
+          <p:cNvPr id="29" name="PlaceHolder 4"/>
           <p:cNvSpPr>
             <a:spLocks noGrp="1"/>
           </p:cNvSpPr>
@@ -284,55 +271,49 @@
         <p:spPr>
           <a:xfrm>
             <a:off x="609480" y="3682080"/>
-            <a:ext cx="5354280" cy="1896840"/>
-          </a:xfrm>
-          <a:prstGeom prst="rect">
-            <a:avLst/>
-          </a:prstGeom>
-        </p:spPr>
-        <p:txBody>
-          <a:bodyPr lIns="0" rIns="0" tIns="0" bIns="0">
-            <a:normAutofit/>
-          </a:bodyPr>
-          <a:p>
-            <a:endParaRPr b="0" lang="fr-FR" sz="2800" spc="-1" strike="noStrike">
-              <a:solidFill>
-                <a:srgbClr val="000000"/>
-              </a:solidFill>
-              <a:latin typeface="Calibri"/>
-            </a:endParaRPr>
-          </a:p>
-        </p:txBody>
-      </p:sp>
-      <p:sp>
-        <p:nvSpPr>
-          <p:cNvPr id="32" name="PlaceHolder 5"/>
-          <p:cNvSpPr>
-            <a:spLocks noGrp="1"/>
-          </p:cNvSpPr>
-          <p:nvPr>
-            <p:ph type="body"/>
-          </p:nvPr>
-        </p:nvSpPr>
-        <p:spPr>
-          <a:xfrm>
-            <a:off x="6231960" y="3682080"/>
-            <a:ext cx="5354280" cy="1896840"/>
-          </a:xfrm>
-          <a:prstGeom prst="rect">
-            <a:avLst/>
-          </a:prstGeom>
-        </p:spPr>
-        <p:txBody>
-          <a:bodyPr lIns="0" rIns="0" tIns="0" bIns="0">
-            <a:normAutofit/>
-          </a:bodyPr>
-          <a:p>
-            <a:endParaRPr b="0" lang="fr-FR" sz="2800" spc="-1" strike="noStrike">
-              <a:solidFill>
-                <a:srgbClr val="000000"/>
-              </a:solidFill>
-              <a:latin typeface="Calibri"/>
+            <a:ext cx="5355000" cy="1896840"/>
+          </a:xfrm>
+          <a:prstGeom prst="rect">
+            <a:avLst/>
+          </a:prstGeom>
+        </p:spPr>
+        <p:txBody>
+          <a:bodyPr lIns="0" rIns="0" tIns="0" bIns="0">
+            <a:normAutofit/>
+          </a:bodyPr>
+          <a:p>
+            <a:endParaRPr b="0" lang="en-GB" sz="3200" spc="-1" strike="noStrike">
+              <a:latin typeface="Arial"/>
+            </a:endParaRPr>
+          </a:p>
+        </p:txBody>
+      </p:sp>
+      <p:sp>
+        <p:nvSpPr>
+          <p:cNvPr id="30" name="PlaceHolder 5"/>
+          <p:cNvSpPr>
+            <a:spLocks noGrp="1"/>
+          </p:cNvSpPr>
+          <p:nvPr>
+            <p:ph type="body"/>
+          </p:nvPr>
+        </p:nvSpPr>
+        <p:spPr>
+          <a:xfrm>
+            <a:off x="6232680" y="3682080"/>
+            <a:ext cx="5355000" cy="1896840"/>
+          </a:xfrm>
+          <a:prstGeom prst="rect">
+            <a:avLst/>
+          </a:prstGeom>
+        </p:spPr>
+        <p:txBody>
+          <a:bodyPr lIns="0" rIns="0" tIns="0" bIns="0">
+            <a:normAutofit/>
+          </a:bodyPr>
+          <a:p>
+            <a:endParaRPr b="0" lang="en-GB" sz="3200" spc="-1" strike="noStrike">
+              <a:latin typeface="Arial"/>
             </a:endParaRPr>
           </a:p>
         </p:txBody>
@@ -361,7 +342,7 @@
       </p:grpSpPr>
       <p:sp>
         <p:nvSpPr>
-          <p:cNvPr id="33" name="PlaceHolder 1"/>
+          <p:cNvPr id="31" name="PlaceHolder 1"/>
           <p:cNvSpPr>
             <a:spLocks noGrp="1"/>
           </p:cNvSpPr>
@@ -372,7 +353,7 @@
         <p:spPr>
           <a:xfrm>
             <a:off x="1523880" y="1122480"/>
-            <a:ext cx="9143640" cy="2387160"/>
+            <a:ext cx="9144000" cy="2386800"/>
           </a:xfrm>
           <a:prstGeom prst="rect">
             <a:avLst/>
@@ -383,18 +364,16 @@
             <a:noAutofit/>
           </a:bodyPr>
           <a:p>
-            <a:endParaRPr b="0" lang="fr-FR" sz="1800" spc="-1" strike="noStrike">
-              <a:solidFill>
-                <a:srgbClr val="000000"/>
-              </a:solidFill>
-              <a:latin typeface="Calibri"/>
-            </a:endParaRPr>
-          </a:p>
-        </p:txBody>
-      </p:sp>
-      <p:sp>
-        <p:nvSpPr>
-          <p:cNvPr id="34" name="PlaceHolder 2"/>
+            <a:pPr algn="ctr"/>
+            <a:endParaRPr b="0" lang="en-GB" sz="4400" spc="-1" strike="noStrike">
+              <a:latin typeface="Arial"/>
+            </a:endParaRPr>
+          </a:p>
+        </p:txBody>
+      </p:sp>
+      <p:sp>
+        <p:nvSpPr>
+          <p:cNvPr id="32" name="PlaceHolder 2"/>
           <p:cNvSpPr>
             <a:spLocks noGrp="1"/>
           </p:cNvSpPr>
@@ -405,95 +384,86 @@
         <p:spPr>
           <a:xfrm>
             <a:off x="609480" y="1604520"/>
-            <a:ext cx="3533040" cy="1896840"/>
-          </a:xfrm>
-          <a:prstGeom prst="rect">
-            <a:avLst/>
-          </a:prstGeom>
-        </p:spPr>
-        <p:txBody>
-          <a:bodyPr lIns="0" rIns="0" tIns="0" bIns="0">
-            <a:normAutofit/>
-          </a:bodyPr>
-          <a:p>
-            <a:endParaRPr b="0" lang="fr-FR" sz="2800" spc="-1" strike="noStrike">
-              <a:solidFill>
-                <a:srgbClr val="000000"/>
-              </a:solidFill>
-              <a:latin typeface="Calibri"/>
-            </a:endParaRPr>
-          </a:p>
-        </p:txBody>
-      </p:sp>
-      <p:sp>
-        <p:nvSpPr>
-          <p:cNvPr id="35" name="PlaceHolder 3"/>
-          <p:cNvSpPr>
-            <a:spLocks noGrp="1"/>
-          </p:cNvSpPr>
-          <p:nvPr>
-            <p:ph type="body"/>
-          </p:nvPr>
-        </p:nvSpPr>
-        <p:spPr>
-          <a:xfrm>
-            <a:off x="4319640" y="1604520"/>
-            <a:ext cx="3533040" cy="1896840"/>
-          </a:xfrm>
-          <a:prstGeom prst="rect">
-            <a:avLst/>
-          </a:prstGeom>
-        </p:spPr>
-        <p:txBody>
-          <a:bodyPr lIns="0" rIns="0" tIns="0" bIns="0">
-            <a:normAutofit/>
-          </a:bodyPr>
-          <a:p>
-            <a:endParaRPr b="0" lang="fr-FR" sz="2800" spc="-1" strike="noStrike">
-              <a:solidFill>
-                <a:srgbClr val="000000"/>
-              </a:solidFill>
-              <a:latin typeface="Calibri"/>
-            </a:endParaRPr>
-          </a:p>
-        </p:txBody>
-      </p:sp>
-      <p:sp>
-        <p:nvSpPr>
-          <p:cNvPr id="36" name="PlaceHolder 4"/>
-          <p:cNvSpPr>
-            <a:spLocks noGrp="1"/>
-          </p:cNvSpPr>
-          <p:nvPr>
-            <p:ph type="body"/>
-          </p:nvPr>
-        </p:nvSpPr>
-        <p:spPr>
-          <a:xfrm>
-            <a:off x="8029800" y="1604520"/>
-            <a:ext cx="3533040" cy="1896840"/>
-          </a:xfrm>
-          <a:prstGeom prst="rect">
-            <a:avLst/>
-          </a:prstGeom>
-        </p:spPr>
-        <p:txBody>
-          <a:bodyPr lIns="0" rIns="0" tIns="0" bIns="0">
-            <a:normAutofit/>
-          </a:bodyPr>
-          <a:p>
-            <a:endParaRPr b="0" lang="fr-FR" sz="2800" spc="-1" strike="noStrike">
-              <a:solidFill>
-                <a:srgbClr val="000000"/>
-              </a:solidFill>
-              <a:latin typeface="Calibri"/>
-            </a:endParaRPr>
-          </a:p>
-        </p:txBody>
-      </p:sp>
-      <p:sp>
-        <p:nvSpPr>
-          <p:cNvPr id="37" name="PlaceHolder 5"/>
+            <a:ext cx="3533400" cy="1896840"/>
+          </a:xfrm>
+          <a:prstGeom prst="rect">
+            <a:avLst/>
+          </a:prstGeom>
+        </p:spPr>
+        <p:txBody>
+          <a:bodyPr lIns="0" rIns="0" tIns="0" bIns="0">
+            <a:normAutofit/>
+          </a:bodyPr>
+          <a:p>
+            <a:endParaRPr b="0" lang="en-GB" sz="3200" spc="-1" strike="noStrike">
+              <a:latin typeface="Arial"/>
+            </a:endParaRPr>
+          </a:p>
+        </p:txBody>
+      </p:sp>
+      <p:sp>
+        <p:nvSpPr>
+          <p:cNvPr id="33" name="PlaceHolder 3"/>
+          <p:cNvSpPr>
+            <a:spLocks noGrp="1"/>
+          </p:cNvSpPr>
+          <p:nvPr>
+            <p:ph type="body"/>
+          </p:nvPr>
+        </p:nvSpPr>
+        <p:spPr>
+          <a:xfrm>
+            <a:off x="4320000" y="1604520"/>
+            <a:ext cx="3533400" cy="1896840"/>
+          </a:xfrm>
+          <a:prstGeom prst="rect">
+            <a:avLst/>
+          </a:prstGeom>
+        </p:spPr>
+        <p:txBody>
+          <a:bodyPr lIns="0" rIns="0" tIns="0" bIns="0">
+            <a:normAutofit/>
+          </a:bodyPr>
+          <a:p>
+            <a:endParaRPr b="0" lang="en-GB" sz="3200" spc="-1" strike="noStrike">
+              <a:latin typeface="Arial"/>
+            </a:endParaRPr>
+          </a:p>
+        </p:txBody>
+      </p:sp>
+      <p:sp>
+        <p:nvSpPr>
+          <p:cNvPr id="34" name="PlaceHolder 4"/>
+          <p:cNvSpPr>
+            <a:spLocks noGrp="1"/>
+          </p:cNvSpPr>
+          <p:nvPr>
+            <p:ph type="body"/>
+          </p:nvPr>
+        </p:nvSpPr>
+        <p:spPr>
+          <a:xfrm>
+            <a:off x="8030520" y="1604520"/>
+            <a:ext cx="3533400" cy="1896840"/>
+          </a:xfrm>
+          <a:prstGeom prst="rect">
+            <a:avLst/>
+          </a:prstGeom>
+        </p:spPr>
+        <p:txBody>
+          <a:bodyPr lIns="0" rIns="0" tIns="0" bIns="0">
+            <a:normAutofit/>
+          </a:bodyPr>
+          <a:p>
+            <a:endParaRPr b="0" lang="en-GB" sz="3200" spc="-1" strike="noStrike">
+              <a:latin typeface="Arial"/>
+            </a:endParaRPr>
+          </a:p>
+        </p:txBody>
+      </p:sp>
+      <p:sp>
+        <p:nvSpPr>
+          <p:cNvPr id="35" name="PlaceHolder 5"/>
           <p:cNvSpPr>
             <a:spLocks noGrp="1"/>
           </p:cNvSpPr>
@@ -504,88 +474,79 @@
         <p:spPr>
           <a:xfrm>
             <a:off x="609480" y="3682080"/>
-            <a:ext cx="3533040" cy="1896840"/>
-          </a:xfrm>
-          <a:prstGeom prst="rect">
-            <a:avLst/>
-          </a:prstGeom>
-        </p:spPr>
-        <p:txBody>
-          <a:bodyPr lIns="0" rIns="0" tIns="0" bIns="0">
-            <a:normAutofit/>
-          </a:bodyPr>
-          <a:p>
-            <a:endParaRPr b="0" lang="fr-FR" sz="2800" spc="-1" strike="noStrike">
-              <a:solidFill>
-                <a:srgbClr val="000000"/>
-              </a:solidFill>
-              <a:latin typeface="Calibri"/>
-            </a:endParaRPr>
-          </a:p>
-        </p:txBody>
-      </p:sp>
-      <p:sp>
-        <p:nvSpPr>
-          <p:cNvPr id="38" name="PlaceHolder 6"/>
-          <p:cNvSpPr>
-            <a:spLocks noGrp="1"/>
-          </p:cNvSpPr>
-          <p:nvPr>
-            <p:ph type="body"/>
-          </p:nvPr>
-        </p:nvSpPr>
-        <p:spPr>
-          <a:xfrm>
-            <a:off x="4319640" y="3682080"/>
-            <a:ext cx="3533040" cy="1896840"/>
-          </a:xfrm>
-          <a:prstGeom prst="rect">
-            <a:avLst/>
-          </a:prstGeom>
-        </p:spPr>
-        <p:txBody>
-          <a:bodyPr lIns="0" rIns="0" tIns="0" bIns="0">
-            <a:normAutofit/>
-          </a:bodyPr>
-          <a:p>
-            <a:endParaRPr b="0" lang="fr-FR" sz="2800" spc="-1" strike="noStrike">
-              <a:solidFill>
-                <a:srgbClr val="000000"/>
-              </a:solidFill>
-              <a:latin typeface="Calibri"/>
-            </a:endParaRPr>
-          </a:p>
-        </p:txBody>
-      </p:sp>
-      <p:sp>
-        <p:nvSpPr>
-          <p:cNvPr id="39" name="PlaceHolder 7"/>
-          <p:cNvSpPr>
-            <a:spLocks noGrp="1"/>
-          </p:cNvSpPr>
-          <p:nvPr>
-            <p:ph type="body"/>
-          </p:nvPr>
-        </p:nvSpPr>
-        <p:spPr>
-          <a:xfrm>
-            <a:off x="8029800" y="3682080"/>
-            <a:ext cx="3533040" cy="1896840"/>
-          </a:xfrm>
-          <a:prstGeom prst="rect">
-            <a:avLst/>
-          </a:prstGeom>
-        </p:spPr>
-        <p:txBody>
-          <a:bodyPr lIns="0" rIns="0" tIns="0" bIns="0">
-            <a:normAutofit/>
-          </a:bodyPr>
-          <a:p>
-            <a:endParaRPr b="0" lang="fr-FR" sz="2800" spc="-1" strike="noStrike">
-              <a:solidFill>
-                <a:srgbClr val="000000"/>
-              </a:solidFill>
-              <a:latin typeface="Calibri"/>
+            <a:ext cx="3533400" cy="1896840"/>
+          </a:xfrm>
+          <a:prstGeom prst="rect">
+            <a:avLst/>
+          </a:prstGeom>
+        </p:spPr>
+        <p:txBody>
+          <a:bodyPr lIns="0" rIns="0" tIns="0" bIns="0">
+            <a:normAutofit/>
+          </a:bodyPr>
+          <a:p>
+            <a:endParaRPr b="0" lang="en-GB" sz="3200" spc="-1" strike="noStrike">
+              <a:latin typeface="Arial"/>
+            </a:endParaRPr>
+          </a:p>
+        </p:txBody>
+      </p:sp>
+      <p:sp>
+        <p:nvSpPr>
+          <p:cNvPr id="36" name="PlaceHolder 6"/>
+          <p:cNvSpPr>
+            <a:spLocks noGrp="1"/>
+          </p:cNvSpPr>
+          <p:nvPr>
+            <p:ph type="body"/>
+          </p:nvPr>
+        </p:nvSpPr>
+        <p:spPr>
+          <a:xfrm>
+            <a:off x="4320000" y="3682080"/>
+            <a:ext cx="3533400" cy="1896840"/>
+          </a:xfrm>
+          <a:prstGeom prst="rect">
+            <a:avLst/>
+          </a:prstGeom>
+        </p:spPr>
+        <p:txBody>
+          <a:bodyPr lIns="0" rIns="0" tIns="0" bIns="0">
+            <a:normAutofit/>
+          </a:bodyPr>
+          <a:p>
+            <a:endParaRPr b="0" lang="en-GB" sz="3200" spc="-1" strike="noStrike">
+              <a:latin typeface="Arial"/>
+            </a:endParaRPr>
+          </a:p>
+        </p:txBody>
+      </p:sp>
+      <p:sp>
+        <p:nvSpPr>
+          <p:cNvPr id="37" name="PlaceHolder 7"/>
+          <p:cNvSpPr>
+            <a:spLocks noGrp="1"/>
+          </p:cNvSpPr>
+          <p:nvPr>
+            <p:ph type="body"/>
+          </p:nvPr>
+        </p:nvSpPr>
+        <p:spPr>
+          <a:xfrm>
+            <a:off x="8030520" y="3682080"/>
+            <a:ext cx="3533400" cy="1896840"/>
+          </a:xfrm>
+          <a:prstGeom prst="rect">
+            <a:avLst/>
+          </a:prstGeom>
+        </p:spPr>
+        <p:txBody>
+          <a:bodyPr lIns="0" rIns="0" tIns="0" bIns="0">
+            <a:normAutofit/>
+          </a:bodyPr>
+          <a:p>
+            <a:endParaRPr b="0" lang="en-GB" sz="3200" spc="-1" strike="noStrike">
+              <a:latin typeface="Arial"/>
             </a:endParaRPr>
           </a:p>
         </p:txBody>
@@ -614,7 +575,7 @@
       </p:grpSpPr>
       <p:sp>
         <p:nvSpPr>
-          <p:cNvPr id="4" name="PlaceHolder 1"/>
+          <p:cNvPr id="2" name="PlaceHolder 1"/>
           <p:cNvSpPr>
             <a:spLocks noGrp="1"/>
           </p:cNvSpPr>
@@ -625,7 +586,7 @@
         <p:spPr>
           <a:xfrm>
             <a:off x="1523880" y="1122480"/>
-            <a:ext cx="9143640" cy="2387160"/>
+            <a:ext cx="9144000" cy="2386800"/>
           </a:xfrm>
           <a:prstGeom prst="rect">
             <a:avLst/>
@@ -636,18 +597,16 @@
             <a:noAutofit/>
           </a:bodyPr>
           <a:p>
-            <a:endParaRPr b="0" lang="fr-FR" sz="1800" spc="-1" strike="noStrike">
-              <a:solidFill>
-                <a:srgbClr val="000000"/>
-              </a:solidFill>
-              <a:latin typeface="Calibri"/>
-            </a:endParaRPr>
-          </a:p>
-        </p:txBody>
-      </p:sp>
-      <p:sp>
-        <p:nvSpPr>
-          <p:cNvPr id="5" name="PlaceHolder 2"/>
+            <a:pPr algn="ctr"/>
+            <a:endParaRPr b="0" lang="en-GB" sz="4400" spc="-1" strike="noStrike">
+              <a:latin typeface="Arial"/>
+            </a:endParaRPr>
+          </a:p>
+        </p:txBody>
+      </p:sp>
+      <p:sp>
+        <p:nvSpPr>
+          <p:cNvPr id="3" name="PlaceHolder 2"/>
           <p:cNvSpPr>
             <a:spLocks noGrp="1"/>
           </p:cNvSpPr>
@@ -658,7 +617,7 @@
         <p:spPr>
           <a:xfrm>
             <a:off x="609480" y="1604520"/>
-            <a:ext cx="10972440" cy="3977280"/>
+            <a:ext cx="10973520" cy="3977280"/>
           </a:xfrm>
           <a:prstGeom prst="rect">
             <a:avLst/>
@@ -700,7 +659,7 @@
       </p:grpSpPr>
       <p:sp>
         <p:nvSpPr>
-          <p:cNvPr id="6" name="PlaceHolder 1"/>
+          <p:cNvPr id="4" name="PlaceHolder 1"/>
           <p:cNvSpPr>
             <a:spLocks noGrp="1"/>
           </p:cNvSpPr>
@@ -711,7 +670,7 @@
         <p:spPr>
           <a:xfrm>
             <a:off x="1523880" y="1122480"/>
-            <a:ext cx="9143640" cy="2387160"/>
+            <a:ext cx="9144000" cy="2386800"/>
           </a:xfrm>
           <a:prstGeom prst="rect">
             <a:avLst/>
@@ -722,18 +681,16 @@
             <a:noAutofit/>
           </a:bodyPr>
           <a:p>
-            <a:endParaRPr b="0" lang="fr-FR" sz="1800" spc="-1" strike="noStrike">
-              <a:solidFill>
-                <a:srgbClr val="000000"/>
-              </a:solidFill>
-              <a:latin typeface="Calibri"/>
-            </a:endParaRPr>
-          </a:p>
-        </p:txBody>
-      </p:sp>
-      <p:sp>
-        <p:nvSpPr>
-          <p:cNvPr id="7" name="PlaceHolder 2"/>
+            <a:pPr algn="ctr"/>
+            <a:endParaRPr b="0" lang="en-GB" sz="4400" spc="-1" strike="noStrike">
+              <a:latin typeface="Arial"/>
+            </a:endParaRPr>
+          </a:p>
+        </p:txBody>
+      </p:sp>
+      <p:sp>
+        <p:nvSpPr>
+          <p:cNvPr id="5" name="PlaceHolder 2"/>
           <p:cNvSpPr>
             <a:spLocks noGrp="1"/>
           </p:cNvSpPr>
@@ -744,22 +701,19 @@
         <p:spPr>
           <a:xfrm>
             <a:off x="609480" y="1604520"/>
-            <a:ext cx="10972440" cy="3977280"/>
-          </a:xfrm>
-          <a:prstGeom prst="rect">
-            <a:avLst/>
-          </a:prstGeom>
-        </p:spPr>
-        <p:txBody>
-          <a:bodyPr lIns="0" rIns="0" tIns="0" bIns="0">
-            <a:normAutofit/>
-          </a:bodyPr>
-          <a:p>
-            <a:endParaRPr b="0" lang="fr-FR" sz="2800" spc="-1" strike="noStrike">
-              <a:solidFill>
-                <a:srgbClr val="000000"/>
-              </a:solidFill>
-              <a:latin typeface="Calibri"/>
+            <a:ext cx="10973520" cy="3977280"/>
+          </a:xfrm>
+          <a:prstGeom prst="rect">
+            <a:avLst/>
+          </a:prstGeom>
+        </p:spPr>
+        <p:txBody>
+          <a:bodyPr lIns="0" rIns="0" tIns="0" bIns="0">
+            <a:normAutofit/>
+          </a:bodyPr>
+          <a:p>
+            <a:endParaRPr b="0" lang="en-GB" sz="3200" spc="-1" strike="noStrike">
+              <a:latin typeface="Arial"/>
             </a:endParaRPr>
           </a:p>
         </p:txBody>
@@ -788,7 +742,7 @@
       </p:grpSpPr>
       <p:sp>
         <p:nvSpPr>
-          <p:cNvPr id="8" name="PlaceHolder 1"/>
+          <p:cNvPr id="6" name="PlaceHolder 1"/>
           <p:cNvSpPr>
             <a:spLocks noGrp="1"/>
           </p:cNvSpPr>
@@ -799,7 +753,7 @@
         <p:spPr>
           <a:xfrm>
             <a:off x="1523880" y="1122480"/>
-            <a:ext cx="9143640" cy="2387160"/>
+            <a:ext cx="9144000" cy="2386800"/>
           </a:xfrm>
           <a:prstGeom prst="rect">
             <a:avLst/>
@@ -810,18 +764,16 @@
             <a:noAutofit/>
           </a:bodyPr>
           <a:p>
-            <a:endParaRPr b="0" lang="fr-FR" sz="1800" spc="-1" strike="noStrike">
-              <a:solidFill>
-                <a:srgbClr val="000000"/>
-              </a:solidFill>
-              <a:latin typeface="Calibri"/>
-            </a:endParaRPr>
-          </a:p>
-        </p:txBody>
-      </p:sp>
-      <p:sp>
-        <p:nvSpPr>
-          <p:cNvPr id="9" name="PlaceHolder 2"/>
+            <a:pPr algn="ctr"/>
+            <a:endParaRPr b="0" lang="en-GB" sz="4400" spc="-1" strike="noStrike">
+              <a:latin typeface="Arial"/>
+            </a:endParaRPr>
+          </a:p>
+        </p:txBody>
+      </p:sp>
+      <p:sp>
+        <p:nvSpPr>
+          <p:cNvPr id="7" name="PlaceHolder 2"/>
           <p:cNvSpPr>
             <a:spLocks noGrp="1"/>
           </p:cNvSpPr>
@@ -832,55 +784,49 @@
         <p:spPr>
           <a:xfrm>
             <a:off x="609480" y="1604520"/>
-            <a:ext cx="5354280" cy="3977280"/>
-          </a:xfrm>
-          <a:prstGeom prst="rect">
-            <a:avLst/>
-          </a:prstGeom>
-        </p:spPr>
-        <p:txBody>
-          <a:bodyPr lIns="0" rIns="0" tIns="0" bIns="0">
-            <a:normAutofit/>
-          </a:bodyPr>
-          <a:p>
-            <a:endParaRPr b="0" lang="fr-FR" sz="2800" spc="-1" strike="noStrike">
-              <a:solidFill>
-                <a:srgbClr val="000000"/>
-              </a:solidFill>
-              <a:latin typeface="Calibri"/>
-            </a:endParaRPr>
-          </a:p>
-        </p:txBody>
-      </p:sp>
-      <p:sp>
-        <p:nvSpPr>
-          <p:cNvPr id="10" name="PlaceHolder 3"/>
-          <p:cNvSpPr>
-            <a:spLocks noGrp="1"/>
-          </p:cNvSpPr>
-          <p:nvPr>
-            <p:ph type="body"/>
-          </p:nvPr>
-        </p:nvSpPr>
-        <p:spPr>
-          <a:xfrm>
-            <a:off x="6231960" y="1604520"/>
-            <a:ext cx="5354280" cy="3977280"/>
-          </a:xfrm>
-          <a:prstGeom prst="rect">
-            <a:avLst/>
-          </a:prstGeom>
-        </p:spPr>
-        <p:txBody>
-          <a:bodyPr lIns="0" rIns="0" tIns="0" bIns="0">
-            <a:normAutofit/>
-          </a:bodyPr>
-          <a:p>
-            <a:endParaRPr b="0" lang="fr-FR" sz="2800" spc="-1" strike="noStrike">
-              <a:solidFill>
-                <a:srgbClr val="000000"/>
-              </a:solidFill>
-              <a:latin typeface="Calibri"/>
+            <a:ext cx="5355000" cy="3977280"/>
+          </a:xfrm>
+          <a:prstGeom prst="rect">
+            <a:avLst/>
+          </a:prstGeom>
+        </p:spPr>
+        <p:txBody>
+          <a:bodyPr lIns="0" rIns="0" tIns="0" bIns="0">
+            <a:normAutofit/>
+          </a:bodyPr>
+          <a:p>
+            <a:endParaRPr b="0" lang="en-GB" sz="3200" spc="-1" strike="noStrike">
+              <a:latin typeface="Arial"/>
+            </a:endParaRPr>
+          </a:p>
+        </p:txBody>
+      </p:sp>
+      <p:sp>
+        <p:nvSpPr>
+          <p:cNvPr id="8" name="PlaceHolder 3"/>
+          <p:cNvSpPr>
+            <a:spLocks noGrp="1"/>
+          </p:cNvSpPr>
+          <p:nvPr>
+            <p:ph type="body"/>
+          </p:nvPr>
+        </p:nvSpPr>
+        <p:spPr>
+          <a:xfrm>
+            <a:off x="6232680" y="1604520"/>
+            <a:ext cx="5355000" cy="3977280"/>
+          </a:xfrm>
+          <a:prstGeom prst="rect">
+            <a:avLst/>
+          </a:prstGeom>
+        </p:spPr>
+        <p:txBody>
+          <a:bodyPr lIns="0" rIns="0" tIns="0" bIns="0">
+            <a:normAutofit/>
+          </a:bodyPr>
+          <a:p>
+            <a:endParaRPr b="0" lang="en-GB" sz="3200" spc="-1" strike="noStrike">
+              <a:latin typeface="Arial"/>
             </a:endParaRPr>
           </a:p>
         </p:txBody>
@@ -909,7 +855,7 @@
       </p:grpSpPr>
       <p:sp>
         <p:nvSpPr>
-          <p:cNvPr id="11" name="PlaceHolder 1"/>
+          <p:cNvPr id="9" name="PlaceHolder 1"/>
           <p:cNvSpPr>
             <a:spLocks noGrp="1"/>
           </p:cNvSpPr>
@@ -920,7 +866,7 @@
         <p:spPr>
           <a:xfrm>
             <a:off x="1523880" y="1122480"/>
-            <a:ext cx="9143640" cy="2387160"/>
+            <a:ext cx="9144000" cy="2386800"/>
           </a:xfrm>
           <a:prstGeom prst="rect">
             <a:avLst/>
@@ -931,11 +877,9 @@
             <a:noAutofit/>
           </a:bodyPr>
           <a:p>
-            <a:endParaRPr b="0" lang="fr-FR" sz="1800" spc="-1" strike="noStrike">
-              <a:solidFill>
-                <a:srgbClr val="000000"/>
-              </a:solidFill>
-              <a:latin typeface="Calibri"/>
+            <a:pPr algn="ctr"/>
+            <a:endParaRPr b="0" lang="en-GB" sz="4400" spc="-1" strike="noStrike">
+              <a:latin typeface="Arial"/>
             </a:endParaRPr>
           </a:p>
         </p:txBody>
@@ -964,7 +908,7 @@
       </p:grpSpPr>
       <p:sp>
         <p:nvSpPr>
-          <p:cNvPr id="12" name="PlaceHolder 1"/>
+          <p:cNvPr id="10" name="PlaceHolder 1"/>
           <p:cNvSpPr>
             <a:spLocks noGrp="1"/>
           </p:cNvSpPr>
@@ -975,7 +919,7 @@
         <p:spPr>
           <a:xfrm>
             <a:off x="1523880" y="1122480"/>
-            <a:ext cx="9143640" cy="11066760"/>
+            <a:ext cx="9144000" cy="11064960"/>
           </a:xfrm>
           <a:prstGeom prst="rect">
             <a:avLst/>
@@ -1017,7 +961,7 @@
       </p:grpSpPr>
       <p:sp>
         <p:nvSpPr>
-          <p:cNvPr id="13" name="PlaceHolder 1"/>
+          <p:cNvPr id="11" name="PlaceHolder 1"/>
           <p:cNvSpPr>
             <a:spLocks noGrp="1"/>
           </p:cNvSpPr>
@@ -1028,7 +972,7 @@
         <p:spPr>
           <a:xfrm>
             <a:off x="1523880" y="1122480"/>
-            <a:ext cx="9143640" cy="2387160"/>
+            <a:ext cx="9144000" cy="2386800"/>
           </a:xfrm>
           <a:prstGeom prst="rect">
             <a:avLst/>
@@ -1039,18 +983,16 @@
             <a:noAutofit/>
           </a:bodyPr>
           <a:p>
-            <a:endParaRPr b="0" lang="fr-FR" sz="1800" spc="-1" strike="noStrike">
-              <a:solidFill>
-                <a:srgbClr val="000000"/>
-              </a:solidFill>
-              <a:latin typeface="Calibri"/>
-            </a:endParaRPr>
-          </a:p>
-        </p:txBody>
-      </p:sp>
-      <p:sp>
-        <p:nvSpPr>
-          <p:cNvPr id="14" name="PlaceHolder 2"/>
+            <a:pPr algn="ctr"/>
+            <a:endParaRPr b="0" lang="en-GB" sz="4400" spc="-1" strike="noStrike">
+              <a:latin typeface="Arial"/>
+            </a:endParaRPr>
+          </a:p>
+        </p:txBody>
+      </p:sp>
+      <p:sp>
+        <p:nvSpPr>
+          <p:cNvPr id="12" name="PlaceHolder 2"/>
           <p:cNvSpPr>
             <a:spLocks noGrp="1"/>
           </p:cNvSpPr>
@@ -1061,62 +1003,56 @@
         <p:spPr>
           <a:xfrm>
             <a:off x="609480" y="1604520"/>
-            <a:ext cx="5354280" cy="1896840"/>
-          </a:xfrm>
-          <a:prstGeom prst="rect">
-            <a:avLst/>
-          </a:prstGeom>
-        </p:spPr>
-        <p:txBody>
-          <a:bodyPr lIns="0" rIns="0" tIns="0" bIns="0">
-            <a:normAutofit/>
-          </a:bodyPr>
-          <a:p>
-            <a:endParaRPr b="0" lang="fr-FR" sz="2800" spc="-1" strike="noStrike">
-              <a:solidFill>
-                <a:srgbClr val="000000"/>
-              </a:solidFill>
-              <a:latin typeface="Calibri"/>
-            </a:endParaRPr>
-          </a:p>
-        </p:txBody>
-      </p:sp>
-      <p:sp>
-        <p:nvSpPr>
-          <p:cNvPr id="15" name="PlaceHolder 3"/>
-          <p:cNvSpPr>
-            <a:spLocks noGrp="1"/>
-          </p:cNvSpPr>
-          <p:nvPr>
-            <p:ph type="body"/>
-          </p:nvPr>
-        </p:nvSpPr>
-        <p:spPr>
-          <a:xfrm>
-            <a:off x="6231960" y="1604520"/>
-            <a:ext cx="5354280" cy="3977280"/>
-          </a:xfrm>
-          <a:prstGeom prst="rect">
-            <a:avLst/>
-          </a:prstGeom>
-        </p:spPr>
-        <p:txBody>
-          <a:bodyPr lIns="0" rIns="0" tIns="0" bIns="0">
-            <a:normAutofit/>
-          </a:bodyPr>
-          <a:p>
-            <a:endParaRPr b="0" lang="fr-FR" sz="2800" spc="-1" strike="noStrike">
-              <a:solidFill>
-                <a:srgbClr val="000000"/>
-              </a:solidFill>
-              <a:latin typeface="Calibri"/>
-            </a:endParaRPr>
-          </a:p>
-        </p:txBody>
-      </p:sp>
-      <p:sp>
-        <p:nvSpPr>
-          <p:cNvPr id="16" name="PlaceHolder 4"/>
+            <a:ext cx="5355000" cy="1896840"/>
+          </a:xfrm>
+          <a:prstGeom prst="rect">
+            <a:avLst/>
+          </a:prstGeom>
+        </p:spPr>
+        <p:txBody>
+          <a:bodyPr lIns="0" rIns="0" tIns="0" bIns="0">
+            <a:normAutofit/>
+          </a:bodyPr>
+          <a:p>
+            <a:endParaRPr b="0" lang="en-GB" sz="3200" spc="-1" strike="noStrike">
+              <a:latin typeface="Arial"/>
+            </a:endParaRPr>
+          </a:p>
+        </p:txBody>
+      </p:sp>
+      <p:sp>
+        <p:nvSpPr>
+          <p:cNvPr id="13" name="PlaceHolder 3"/>
+          <p:cNvSpPr>
+            <a:spLocks noGrp="1"/>
+          </p:cNvSpPr>
+          <p:nvPr>
+            <p:ph type="body"/>
+          </p:nvPr>
+        </p:nvSpPr>
+        <p:spPr>
+          <a:xfrm>
+            <a:off x="6232680" y="1604520"/>
+            <a:ext cx="5355000" cy="3977280"/>
+          </a:xfrm>
+          <a:prstGeom prst="rect">
+            <a:avLst/>
+          </a:prstGeom>
+        </p:spPr>
+        <p:txBody>
+          <a:bodyPr lIns="0" rIns="0" tIns="0" bIns="0">
+            <a:normAutofit/>
+          </a:bodyPr>
+          <a:p>
+            <a:endParaRPr b="0" lang="en-GB" sz="3200" spc="-1" strike="noStrike">
+              <a:latin typeface="Arial"/>
+            </a:endParaRPr>
+          </a:p>
+        </p:txBody>
+      </p:sp>
+      <p:sp>
+        <p:nvSpPr>
+          <p:cNvPr id="14" name="PlaceHolder 4"/>
           <p:cNvSpPr>
             <a:spLocks noGrp="1"/>
           </p:cNvSpPr>
@@ -1127,22 +1063,19 @@
         <p:spPr>
           <a:xfrm>
             <a:off x="609480" y="3682080"/>
-            <a:ext cx="5354280" cy="1896840"/>
-          </a:xfrm>
-          <a:prstGeom prst="rect">
-            <a:avLst/>
-          </a:prstGeom>
-        </p:spPr>
-        <p:txBody>
-          <a:bodyPr lIns="0" rIns="0" tIns="0" bIns="0">
-            <a:normAutofit/>
-          </a:bodyPr>
-          <a:p>
-            <a:endParaRPr b="0" lang="fr-FR" sz="2800" spc="-1" strike="noStrike">
-              <a:solidFill>
-                <a:srgbClr val="000000"/>
-              </a:solidFill>
-              <a:latin typeface="Calibri"/>
+            <a:ext cx="5355000" cy="1896840"/>
+          </a:xfrm>
+          <a:prstGeom prst="rect">
+            <a:avLst/>
+          </a:prstGeom>
+        </p:spPr>
+        <p:txBody>
+          <a:bodyPr lIns="0" rIns="0" tIns="0" bIns="0">
+            <a:normAutofit/>
+          </a:bodyPr>
+          <a:p>
+            <a:endParaRPr b="0" lang="en-GB" sz="3200" spc="-1" strike="noStrike">
+              <a:latin typeface="Arial"/>
             </a:endParaRPr>
           </a:p>
         </p:txBody>
@@ -1171,7 +1104,7 @@
       </p:grpSpPr>
       <p:sp>
         <p:nvSpPr>
-          <p:cNvPr id="17" name="PlaceHolder 1"/>
+          <p:cNvPr id="15" name="PlaceHolder 1"/>
           <p:cNvSpPr>
             <a:spLocks noGrp="1"/>
           </p:cNvSpPr>
@@ -1182,7 +1115,7 @@
         <p:spPr>
           <a:xfrm>
             <a:off x="1523880" y="1122480"/>
-            <a:ext cx="9143640" cy="2387160"/>
+            <a:ext cx="9144000" cy="2386800"/>
           </a:xfrm>
           <a:prstGeom prst="rect">
             <a:avLst/>
@@ -1193,18 +1126,16 @@
             <a:noAutofit/>
           </a:bodyPr>
           <a:p>
-            <a:endParaRPr b="0" lang="fr-FR" sz="1800" spc="-1" strike="noStrike">
-              <a:solidFill>
-                <a:srgbClr val="000000"/>
-              </a:solidFill>
-              <a:latin typeface="Calibri"/>
-            </a:endParaRPr>
-          </a:p>
-        </p:txBody>
-      </p:sp>
-      <p:sp>
-        <p:nvSpPr>
-          <p:cNvPr id="18" name="PlaceHolder 2"/>
+            <a:pPr algn="ctr"/>
+            <a:endParaRPr b="0" lang="en-GB" sz="4400" spc="-1" strike="noStrike">
+              <a:latin typeface="Arial"/>
+            </a:endParaRPr>
+          </a:p>
+        </p:txBody>
+      </p:sp>
+      <p:sp>
+        <p:nvSpPr>
+          <p:cNvPr id="16" name="PlaceHolder 2"/>
           <p:cNvSpPr>
             <a:spLocks noGrp="1"/>
           </p:cNvSpPr>
@@ -1215,88 +1146,79 @@
         <p:spPr>
           <a:xfrm>
             <a:off x="609480" y="1604520"/>
-            <a:ext cx="5354280" cy="3977280"/>
-          </a:xfrm>
-          <a:prstGeom prst="rect">
-            <a:avLst/>
-          </a:prstGeom>
-        </p:spPr>
-        <p:txBody>
-          <a:bodyPr lIns="0" rIns="0" tIns="0" bIns="0">
-            <a:normAutofit/>
-          </a:bodyPr>
-          <a:p>
-            <a:endParaRPr b="0" lang="fr-FR" sz="2800" spc="-1" strike="noStrike">
-              <a:solidFill>
-                <a:srgbClr val="000000"/>
-              </a:solidFill>
-              <a:latin typeface="Calibri"/>
-            </a:endParaRPr>
-          </a:p>
-        </p:txBody>
-      </p:sp>
-      <p:sp>
-        <p:nvSpPr>
-          <p:cNvPr id="19" name="PlaceHolder 3"/>
-          <p:cNvSpPr>
-            <a:spLocks noGrp="1"/>
-          </p:cNvSpPr>
-          <p:nvPr>
-            <p:ph type="body"/>
-          </p:nvPr>
-        </p:nvSpPr>
-        <p:spPr>
-          <a:xfrm>
-            <a:off x="6231960" y="1604520"/>
-            <a:ext cx="5354280" cy="1896840"/>
-          </a:xfrm>
-          <a:prstGeom prst="rect">
-            <a:avLst/>
-          </a:prstGeom>
-        </p:spPr>
-        <p:txBody>
-          <a:bodyPr lIns="0" rIns="0" tIns="0" bIns="0">
-            <a:normAutofit/>
-          </a:bodyPr>
-          <a:p>
-            <a:endParaRPr b="0" lang="fr-FR" sz="2800" spc="-1" strike="noStrike">
-              <a:solidFill>
-                <a:srgbClr val="000000"/>
-              </a:solidFill>
-              <a:latin typeface="Calibri"/>
-            </a:endParaRPr>
-          </a:p>
-        </p:txBody>
-      </p:sp>
-      <p:sp>
-        <p:nvSpPr>
-          <p:cNvPr id="20" name="PlaceHolder 4"/>
-          <p:cNvSpPr>
-            <a:spLocks noGrp="1"/>
-          </p:cNvSpPr>
-          <p:nvPr>
-            <p:ph type="body"/>
-          </p:nvPr>
-        </p:nvSpPr>
-        <p:spPr>
-          <a:xfrm>
-            <a:off x="6231960" y="3682080"/>
-            <a:ext cx="5354280" cy="1896840"/>
-          </a:xfrm>
-          <a:prstGeom prst="rect">
-            <a:avLst/>
-          </a:prstGeom>
-        </p:spPr>
-        <p:txBody>
-          <a:bodyPr lIns="0" rIns="0" tIns="0" bIns="0">
-            <a:normAutofit/>
-          </a:bodyPr>
-          <a:p>
-            <a:endParaRPr b="0" lang="fr-FR" sz="2800" spc="-1" strike="noStrike">
-              <a:solidFill>
-                <a:srgbClr val="000000"/>
-              </a:solidFill>
-              <a:latin typeface="Calibri"/>
+            <a:ext cx="5355000" cy="3977280"/>
+          </a:xfrm>
+          <a:prstGeom prst="rect">
+            <a:avLst/>
+          </a:prstGeom>
+        </p:spPr>
+        <p:txBody>
+          <a:bodyPr lIns="0" rIns="0" tIns="0" bIns="0">
+            <a:normAutofit/>
+          </a:bodyPr>
+          <a:p>
+            <a:endParaRPr b="0" lang="en-GB" sz="3200" spc="-1" strike="noStrike">
+              <a:latin typeface="Arial"/>
+            </a:endParaRPr>
+          </a:p>
+        </p:txBody>
+      </p:sp>
+      <p:sp>
+        <p:nvSpPr>
+          <p:cNvPr id="17" name="PlaceHolder 3"/>
+          <p:cNvSpPr>
+            <a:spLocks noGrp="1"/>
+          </p:cNvSpPr>
+          <p:nvPr>
+            <p:ph type="body"/>
+          </p:nvPr>
+        </p:nvSpPr>
+        <p:spPr>
+          <a:xfrm>
+            <a:off x="6232680" y="1604520"/>
+            <a:ext cx="5355000" cy="1896840"/>
+          </a:xfrm>
+          <a:prstGeom prst="rect">
+            <a:avLst/>
+          </a:prstGeom>
+        </p:spPr>
+        <p:txBody>
+          <a:bodyPr lIns="0" rIns="0" tIns="0" bIns="0">
+            <a:normAutofit/>
+          </a:bodyPr>
+          <a:p>
+            <a:endParaRPr b="0" lang="en-GB" sz="3200" spc="-1" strike="noStrike">
+              <a:latin typeface="Arial"/>
+            </a:endParaRPr>
+          </a:p>
+        </p:txBody>
+      </p:sp>
+      <p:sp>
+        <p:nvSpPr>
+          <p:cNvPr id="18" name="PlaceHolder 4"/>
+          <p:cNvSpPr>
+            <a:spLocks noGrp="1"/>
+          </p:cNvSpPr>
+          <p:nvPr>
+            <p:ph type="body"/>
+          </p:nvPr>
+        </p:nvSpPr>
+        <p:spPr>
+          <a:xfrm>
+            <a:off x="6232680" y="3682080"/>
+            <a:ext cx="5355000" cy="1896840"/>
+          </a:xfrm>
+          <a:prstGeom prst="rect">
+            <a:avLst/>
+          </a:prstGeom>
+        </p:spPr>
+        <p:txBody>
+          <a:bodyPr lIns="0" rIns="0" tIns="0" bIns="0">
+            <a:normAutofit/>
+          </a:bodyPr>
+          <a:p>
+            <a:endParaRPr b="0" lang="en-GB" sz="3200" spc="-1" strike="noStrike">
+              <a:latin typeface="Arial"/>
             </a:endParaRPr>
           </a:p>
         </p:txBody>
@@ -1325,7 +1247,7 @@
       </p:grpSpPr>
       <p:sp>
         <p:nvSpPr>
-          <p:cNvPr id="21" name="PlaceHolder 1"/>
+          <p:cNvPr id="19" name="PlaceHolder 1"/>
           <p:cNvSpPr>
             <a:spLocks noGrp="1"/>
           </p:cNvSpPr>
@@ -1336,7 +1258,7 @@
         <p:spPr>
           <a:xfrm>
             <a:off x="1523880" y="1122480"/>
-            <a:ext cx="9143640" cy="2387160"/>
+            <a:ext cx="9144000" cy="2386800"/>
           </a:xfrm>
           <a:prstGeom prst="rect">
             <a:avLst/>
@@ -1347,18 +1269,16 @@
             <a:noAutofit/>
           </a:bodyPr>
           <a:p>
-            <a:endParaRPr b="0" lang="fr-FR" sz="1800" spc="-1" strike="noStrike">
-              <a:solidFill>
-                <a:srgbClr val="000000"/>
-              </a:solidFill>
-              <a:latin typeface="Calibri"/>
-            </a:endParaRPr>
-          </a:p>
-        </p:txBody>
-      </p:sp>
-      <p:sp>
-        <p:nvSpPr>
-          <p:cNvPr id="22" name="PlaceHolder 2"/>
+            <a:pPr algn="ctr"/>
+            <a:endParaRPr b="0" lang="en-GB" sz="4400" spc="-1" strike="noStrike">
+              <a:latin typeface="Arial"/>
+            </a:endParaRPr>
+          </a:p>
+        </p:txBody>
+      </p:sp>
+      <p:sp>
+        <p:nvSpPr>
+          <p:cNvPr id="20" name="PlaceHolder 2"/>
           <p:cNvSpPr>
             <a:spLocks noGrp="1"/>
           </p:cNvSpPr>
@@ -1369,62 +1289,56 @@
         <p:spPr>
           <a:xfrm>
             <a:off x="609480" y="1604520"/>
-            <a:ext cx="5354280" cy="1896840"/>
-          </a:xfrm>
-          <a:prstGeom prst="rect">
-            <a:avLst/>
-          </a:prstGeom>
-        </p:spPr>
-        <p:txBody>
-          <a:bodyPr lIns="0" rIns="0" tIns="0" bIns="0">
-            <a:normAutofit/>
-          </a:bodyPr>
-          <a:p>
-            <a:endParaRPr b="0" lang="fr-FR" sz="2800" spc="-1" strike="noStrike">
-              <a:solidFill>
-                <a:srgbClr val="000000"/>
-              </a:solidFill>
-              <a:latin typeface="Calibri"/>
-            </a:endParaRPr>
-          </a:p>
-        </p:txBody>
-      </p:sp>
-      <p:sp>
-        <p:nvSpPr>
-          <p:cNvPr id="23" name="PlaceHolder 3"/>
-          <p:cNvSpPr>
-            <a:spLocks noGrp="1"/>
-          </p:cNvSpPr>
-          <p:nvPr>
-            <p:ph type="body"/>
-          </p:nvPr>
-        </p:nvSpPr>
-        <p:spPr>
-          <a:xfrm>
-            <a:off x="6231960" y="1604520"/>
-            <a:ext cx="5354280" cy="1896840"/>
-          </a:xfrm>
-          <a:prstGeom prst="rect">
-            <a:avLst/>
-          </a:prstGeom>
-        </p:spPr>
-        <p:txBody>
-          <a:bodyPr lIns="0" rIns="0" tIns="0" bIns="0">
-            <a:normAutofit/>
-          </a:bodyPr>
-          <a:p>
-            <a:endParaRPr b="0" lang="fr-FR" sz="2800" spc="-1" strike="noStrike">
-              <a:solidFill>
-                <a:srgbClr val="000000"/>
-              </a:solidFill>
-              <a:latin typeface="Calibri"/>
-            </a:endParaRPr>
-          </a:p>
-        </p:txBody>
-      </p:sp>
-      <p:sp>
-        <p:nvSpPr>
-          <p:cNvPr id="24" name="PlaceHolder 4"/>
+            <a:ext cx="5355000" cy="1896840"/>
+          </a:xfrm>
+          <a:prstGeom prst="rect">
+            <a:avLst/>
+          </a:prstGeom>
+        </p:spPr>
+        <p:txBody>
+          <a:bodyPr lIns="0" rIns="0" tIns="0" bIns="0">
+            <a:normAutofit/>
+          </a:bodyPr>
+          <a:p>
+            <a:endParaRPr b="0" lang="en-GB" sz="3200" spc="-1" strike="noStrike">
+              <a:latin typeface="Arial"/>
+            </a:endParaRPr>
+          </a:p>
+        </p:txBody>
+      </p:sp>
+      <p:sp>
+        <p:nvSpPr>
+          <p:cNvPr id="21" name="PlaceHolder 3"/>
+          <p:cNvSpPr>
+            <a:spLocks noGrp="1"/>
+          </p:cNvSpPr>
+          <p:nvPr>
+            <p:ph type="body"/>
+          </p:nvPr>
+        </p:nvSpPr>
+        <p:spPr>
+          <a:xfrm>
+            <a:off x="6232680" y="1604520"/>
+            <a:ext cx="5355000" cy="1896840"/>
+          </a:xfrm>
+          <a:prstGeom prst="rect">
+            <a:avLst/>
+          </a:prstGeom>
+        </p:spPr>
+        <p:txBody>
+          <a:bodyPr lIns="0" rIns="0" tIns="0" bIns="0">
+            <a:normAutofit/>
+          </a:bodyPr>
+          <a:p>
+            <a:endParaRPr b="0" lang="en-GB" sz="3200" spc="-1" strike="noStrike">
+              <a:latin typeface="Arial"/>
+            </a:endParaRPr>
+          </a:p>
+        </p:txBody>
+      </p:sp>
+      <p:sp>
+        <p:nvSpPr>
+          <p:cNvPr id="22" name="PlaceHolder 4"/>
           <p:cNvSpPr>
             <a:spLocks noGrp="1"/>
           </p:cNvSpPr>
@@ -1435,22 +1349,19 @@
         <p:spPr>
           <a:xfrm>
             <a:off x="609480" y="3682080"/>
-            <a:ext cx="10972440" cy="1896840"/>
-          </a:xfrm>
-          <a:prstGeom prst="rect">
-            <a:avLst/>
-          </a:prstGeom>
-        </p:spPr>
-        <p:txBody>
-          <a:bodyPr lIns="0" rIns="0" tIns="0" bIns="0">
-            <a:normAutofit/>
-          </a:bodyPr>
-          <a:p>
-            <a:endParaRPr b="0" lang="fr-FR" sz="2800" spc="-1" strike="noStrike">
-              <a:solidFill>
-                <a:srgbClr val="000000"/>
-              </a:solidFill>
-              <a:latin typeface="Calibri"/>
+            <a:ext cx="10973520" cy="1896840"/>
+          </a:xfrm>
+          <a:prstGeom prst="rect">
+            <a:avLst/>
+          </a:prstGeom>
+        </p:spPr>
+        <p:txBody>
+          <a:bodyPr lIns="0" rIns="0" tIns="0" bIns="0">
+            <a:normAutofit/>
+          </a:bodyPr>
+          <a:p>
+            <a:endParaRPr b="0" lang="en-GB" sz="3200" spc="-1" strike="noStrike">
+              <a:latin typeface="Arial"/>
             </a:endParaRPr>
           </a:p>
         </p:txBody>
@@ -1497,154 +1408,205 @@
         <p:spPr>
           <a:xfrm>
             <a:off x="1523880" y="1122480"/>
-            <a:ext cx="9143640" cy="2387160"/>
-          </a:xfrm>
-          <a:prstGeom prst="rect">
-            <a:avLst/>
-          </a:prstGeom>
-        </p:spPr>
-        <p:txBody>
-          <a:bodyPr anchor="b">
+            <a:ext cx="9144000" cy="2386800"/>
+          </a:xfrm>
+          <a:prstGeom prst="rect">
+            <a:avLst/>
+          </a:prstGeom>
+        </p:spPr>
+        <p:txBody>
+          <a:bodyPr lIns="0" rIns="0" tIns="0" bIns="0" anchor="ctr">
             <a:noAutofit/>
           </a:bodyPr>
           <a:p>
-            <a:pPr algn="ctr">
-              <a:lnSpc>
-                <a:spcPct val="90000"/>
-              </a:lnSpc>
+            <a:pPr algn="ctr"/>
+            <a:r>
+              <a:rPr b="0" lang="en-GB" sz="1800" spc="-1" strike="noStrike">
+                <a:latin typeface="Arial"/>
+              </a:rPr>
+              <a:t>Click to edit the title text format</a:t>
+            </a:r>
+            <a:endParaRPr b="0" lang="en-GB" sz="1800" spc="-1" strike="noStrike">
+              <a:latin typeface="Arial"/>
+            </a:endParaRPr>
+          </a:p>
+        </p:txBody>
+      </p:sp>
+      <p:sp>
+        <p:nvSpPr>
+          <p:cNvPr id="1" name="PlaceHolder 2"/>
+          <p:cNvSpPr>
+            <a:spLocks noGrp="1"/>
+          </p:cNvSpPr>
+          <p:nvPr>
+            <p:ph type="body"/>
+          </p:nvPr>
+        </p:nvSpPr>
+        <p:spPr>
+          <a:xfrm>
+            <a:off x="609480" y="1604520"/>
+            <a:ext cx="10973520" cy="3977280"/>
+          </a:xfrm>
+          <a:prstGeom prst="rect">
+            <a:avLst/>
+          </a:prstGeom>
+        </p:spPr>
+        <p:txBody>
+          <a:bodyPr lIns="0" rIns="0" tIns="0" bIns="0">
+            <a:normAutofit/>
+          </a:bodyPr>
+          <a:p>
+            <a:pPr marL="432000" indent="-324000">
+              <a:spcBef>
+                <a:spcPts val="1414"/>
+              </a:spcBef>
+              <a:buClr>
+                <a:srgbClr val="000000"/>
+              </a:buClr>
+              <a:buSzPct val="45000"/>
+              <a:buFont typeface="Wingdings" charset="2"/>
+              <a:buChar char=""/>
             </a:pPr>
             <a:r>
-              <a:rPr b="0" lang="fr-FR" sz="6000" spc="-1" strike="noStrike">
-                <a:solidFill>
-                  <a:srgbClr val="000000"/>
-                </a:solidFill>
-                <a:latin typeface="Calibri Light"/>
+              <a:rPr b="0" lang="en-GB" sz="3200" spc="-1" strike="noStrike">
+                <a:latin typeface="Arial"/>
               </a:rPr>
-              <a:t>Modifiez le style du titre</a:t>
+              <a:t>Click to edit the outline text format</a:t>
             </a:r>
-            <a:endParaRPr b="0" lang="fr-FR" sz="6000" spc="-1" strike="noStrike">
-              <a:solidFill>
+            <a:endParaRPr b="0" lang="en-GB" sz="3200" spc="-1" strike="noStrike">
+              <a:latin typeface="Arial"/>
+            </a:endParaRPr>
+          </a:p>
+          <a:p>
+            <a:pPr lvl="1" marL="864000" indent="-324000">
+              <a:spcBef>
+                <a:spcPts val="1134"/>
+              </a:spcBef>
+              <a:buClr>
                 <a:srgbClr val="000000"/>
-              </a:solidFill>
-              <a:latin typeface="Calibri"/>
-            </a:endParaRPr>
-          </a:p>
-        </p:txBody>
-      </p:sp>
-      <p:sp>
-        <p:nvSpPr>
-          <p:cNvPr id="1" name="PlaceHolder 2"/>
-          <p:cNvSpPr>
-            <a:spLocks noGrp="1"/>
-          </p:cNvSpPr>
-          <p:nvPr>
-            <p:ph type="dt"/>
-          </p:nvPr>
-        </p:nvSpPr>
-        <p:spPr>
-          <a:xfrm>
-            <a:off x="838080" y="6356520"/>
-            <a:ext cx="2742840" cy="364680"/>
-          </a:xfrm>
-          <a:prstGeom prst="rect">
-            <a:avLst/>
-          </a:prstGeom>
-        </p:spPr>
-        <p:txBody>
-          <a:bodyPr anchor="ctr">
-            <a:noAutofit/>
-          </a:bodyPr>
-          <a:p>
-            <a:pPr>
-              <a:lnSpc>
-                <a:spcPct val="100000"/>
-              </a:lnSpc>
+              </a:buClr>
+              <a:buSzPct val="75000"/>
+              <a:buFont typeface="Symbol" charset="2"/>
+              <a:buChar char=""/>
             </a:pPr>
-            <a:fld id="{2D292AF2-47B8-4473-B9E8-A6EC9FB5780B}" type="datetime">
-              <a:rPr b="0" lang="fr-FR" sz="1200" spc="-1" strike="noStrike">
-                <a:solidFill>
-                  <a:srgbClr val="8b8b8b"/>
-                </a:solidFill>
-                <a:latin typeface="Calibri"/>
+            <a:r>
+              <a:rPr b="0" lang="en-GB" sz="2800" spc="-1" strike="noStrike">
+                <a:latin typeface="Arial"/>
               </a:rPr>
-              <a:t>19/08/2020</a:t>
-            </a:fld>
-            <a:endParaRPr b="0" lang="en-GB" sz="1200" spc="-1" strike="noStrike">
-              <a:latin typeface="Times New Roman"/>
-            </a:endParaRPr>
-          </a:p>
-        </p:txBody>
-      </p:sp>
-      <p:sp>
-        <p:nvSpPr>
-          <p:cNvPr id="2" name="PlaceHolder 3"/>
-          <p:cNvSpPr>
-            <a:spLocks noGrp="1"/>
-          </p:cNvSpPr>
-          <p:nvPr>
-            <p:ph type="ftr"/>
-          </p:nvPr>
-        </p:nvSpPr>
-        <p:spPr>
-          <a:xfrm>
-            <a:off x="4038480" y="6356520"/>
-            <a:ext cx="4114440" cy="364680"/>
-          </a:xfrm>
-          <a:prstGeom prst="rect">
-            <a:avLst/>
-          </a:prstGeom>
-        </p:spPr>
-        <p:txBody>
-          <a:bodyPr anchor="ctr">
-            <a:noAutofit/>
-          </a:bodyPr>
-          <a:p>
+              <a:t>Second Outline Level</a:t>
+            </a:r>
+            <a:endParaRPr b="0" lang="en-GB" sz="2800" spc="-1" strike="noStrike">
+              <a:latin typeface="Arial"/>
+            </a:endParaRPr>
+          </a:p>
+          <a:p>
+            <a:pPr lvl="2" marL="1296000" indent="-288000">
+              <a:spcBef>
+                <a:spcPts val="850"/>
+              </a:spcBef>
+              <a:buClr>
+                <a:srgbClr val="000000"/>
+              </a:buClr>
+              <a:buSzPct val="45000"/>
+              <a:buFont typeface="Wingdings" charset="2"/>
+              <a:buChar char=""/>
+            </a:pPr>
+            <a:r>
+              <a:rPr b="0" lang="en-GB" sz="2400" spc="-1" strike="noStrike">
+                <a:latin typeface="Arial"/>
+              </a:rPr>
+              <a:t>Third Outline Level</a:t>
+            </a:r>
             <a:endParaRPr b="0" lang="en-GB" sz="2400" spc="-1" strike="noStrike">
-              <a:latin typeface="Times New Roman"/>
-            </a:endParaRPr>
-          </a:p>
-        </p:txBody>
-      </p:sp>
-      <p:sp>
-        <p:nvSpPr>
-          <p:cNvPr id="3" name="PlaceHolder 4"/>
-          <p:cNvSpPr>
-            <a:spLocks noGrp="1"/>
-          </p:cNvSpPr>
-          <p:nvPr>
-            <p:ph type="sldNum"/>
-          </p:nvPr>
-        </p:nvSpPr>
-        <p:spPr>
-          <a:xfrm>
-            <a:off x="8610480" y="6356520"/>
-            <a:ext cx="2742840" cy="364680"/>
-          </a:xfrm>
-          <a:prstGeom prst="rect">
-            <a:avLst/>
-          </a:prstGeom>
-        </p:spPr>
-        <p:txBody>
-          <a:bodyPr anchor="ctr">
-            <a:noAutofit/>
-          </a:bodyPr>
-          <a:p>
-            <a:pPr algn="r">
-              <a:lnSpc>
-                <a:spcPct val="100000"/>
-              </a:lnSpc>
+              <a:latin typeface="Arial"/>
+            </a:endParaRPr>
+          </a:p>
+          <a:p>
+            <a:pPr lvl="3" marL="1728000" indent="-216000">
+              <a:spcBef>
+                <a:spcPts val="567"/>
+              </a:spcBef>
+              <a:buClr>
+                <a:srgbClr val="000000"/>
+              </a:buClr>
+              <a:buSzPct val="75000"/>
+              <a:buFont typeface="Symbol" charset="2"/>
+              <a:buChar char=""/>
             </a:pPr>
-            <a:fld id="{65BD0316-D8BC-4712-B351-C62B7159056A}" type="slidenum">
-              <a:rPr b="0" lang="fr-FR" sz="1200" spc="-1" strike="noStrike">
-                <a:solidFill>
-                  <a:srgbClr val="8b8b8b"/>
-                </a:solidFill>
-                <a:latin typeface="Calibri"/>
+            <a:r>
+              <a:rPr b="0" lang="en-GB" sz="2000" spc="-1" strike="noStrike">
+                <a:latin typeface="Arial"/>
               </a:rPr>
-              <a:t>&lt;number&gt;</a:t>
-            </a:fld>
-            <a:endParaRPr b="0" lang="en-GB" sz="1200" spc="-1" strike="noStrike">
-              <a:latin typeface="Times New Roman"/>
+              <a:t>Fourth Outline Level</a:t>
+            </a:r>
+            <a:endParaRPr b="0" lang="en-GB" sz="2000" spc="-1" strike="noStrike">
+              <a:latin typeface="Arial"/>
+            </a:endParaRPr>
+          </a:p>
+          <a:p>
+            <a:pPr lvl="4" marL="2160000" indent="-216000">
+              <a:spcBef>
+                <a:spcPts val="283"/>
+              </a:spcBef>
+              <a:buClr>
+                <a:srgbClr val="000000"/>
+              </a:buClr>
+              <a:buSzPct val="45000"/>
+              <a:buFont typeface="Wingdings" charset="2"/>
+              <a:buChar char=""/>
+            </a:pPr>
+            <a:r>
+              <a:rPr b="0" lang="en-GB" sz="2000" spc="-1" strike="noStrike">
+                <a:latin typeface="Arial"/>
+              </a:rPr>
+              <a:t>Fifth Outline Level</a:t>
+            </a:r>
+            <a:endParaRPr b="0" lang="en-GB" sz="2000" spc="-1" strike="noStrike">
+              <a:latin typeface="Arial"/>
+            </a:endParaRPr>
+          </a:p>
+          <a:p>
+            <a:pPr lvl="5" marL="2592000" indent="-216000">
+              <a:spcBef>
+                <a:spcPts val="283"/>
+              </a:spcBef>
+              <a:buClr>
+                <a:srgbClr val="000000"/>
+              </a:buClr>
+              <a:buSzPct val="45000"/>
+              <a:buFont typeface="Wingdings" charset="2"/>
+              <a:buChar char=""/>
+            </a:pPr>
+            <a:r>
+              <a:rPr b="0" lang="en-GB" sz="2000" spc="-1" strike="noStrike">
+                <a:latin typeface="Arial"/>
+              </a:rPr>
+              <a:t>Sixth Outline Level</a:t>
+            </a:r>
+            <a:endParaRPr b="0" lang="en-GB" sz="2000" spc="-1" strike="noStrike">
+              <a:latin typeface="Arial"/>
+            </a:endParaRPr>
+          </a:p>
+          <a:p>
+            <a:pPr lvl="6" marL="3024000" indent="-216000">
+              <a:spcBef>
+                <a:spcPts val="283"/>
+              </a:spcBef>
+              <a:buClr>
+                <a:srgbClr val="000000"/>
+              </a:buClr>
+              <a:buSzPct val="45000"/>
+              <a:buFont typeface="Wingdings" charset="2"/>
+              <a:buChar char=""/>
+            </a:pPr>
+            <a:r>
+              <a:rPr b="0" lang="en-GB" sz="2000" spc="-1" strike="noStrike">
+                <a:latin typeface="Arial"/>
+              </a:rPr>
+              <a:t>Seventh Outline Level</a:t>
+            </a:r>
+            <a:endParaRPr b="0" lang="en-GB" sz="2000" spc="-1" strike="noStrike">
+              <a:latin typeface="Arial"/>
             </a:endParaRPr>
           </a:p>
         </p:txBody>
@@ -1688,14 +1650,14 @@
       </p:grpSpPr>
       <p:sp>
         <p:nvSpPr>
-          <p:cNvPr id="40" name="CustomShape 1"/>
+          <p:cNvPr id="38" name="CustomShape 1"/>
           <p:cNvSpPr/>
           <p:nvPr/>
         </p:nvSpPr>
         <p:spPr>
           <a:xfrm>
-            <a:off x="2983320" y="2317680"/>
-            <a:ext cx="8740080" cy="1431000"/>
+            <a:off x="4068360" y="3024000"/>
+            <a:ext cx="8928720" cy="1095840"/>
           </a:xfrm>
           <a:prstGeom prst="rect">
             <a:avLst/>
@@ -1722,24 +1684,24 @@
               </a:lnSpc>
             </a:pPr>
             <a:r>
-              <a:rPr b="0" lang="fr-FR" sz="8800" spc="-1" strike="noStrike">
+              <a:rPr b="0" lang="fr-FR" sz="6600" spc="-1" strike="noStrike">
                 <a:solidFill>
                   <a:srgbClr val="000000"/>
                 </a:solidFill>
-                <a:latin typeface="FontAwesome"/>
+                <a:latin typeface="Ubuntu"/>
                 <a:ea typeface="Cambria"/>
               </a:rPr>
-              <a:t>Task Manager</a:t>
+              <a:t>COVID-19 challenge</a:t>
             </a:r>
-            <a:endParaRPr b="0" lang="en-GB" sz="8800" spc="-1" strike="noStrike">
-              <a:latin typeface="FontAwesome"/>
+            <a:endParaRPr b="0" lang="en-GB" sz="6600" spc="-1" strike="noStrike">
+              <a:latin typeface="Ubuntu"/>
             </a:endParaRPr>
           </a:p>
         </p:txBody>
       </p:sp>
       <p:pic>
         <p:nvPicPr>
-          <p:cNvPr id="41" name="Image 4" descr=""/>
+          <p:cNvPr id="39" name="" descr=""/>
           <p:cNvPicPr/>
           <p:nvPr/>
         </p:nvPicPr>
@@ -1749,8 +1711,253 @@
         </p:blipFill>
         <p:spPr>
           <a:xfrm>
-            <a:off x="113040" y="1587240"/>
-            <a:ext cx="2520000" cy="2907000"/>
+            <a:off x="504000" y="3132000"/>
+            <a:ext cx="3329280" cy="904320"/>
+          </a:xfrm>
+          <a:prstGeom prst="rect">
+            <a:avLst/>
+          </a:prstGeom>
+          <a:ln>
+            <a:noFill/>
+          </a:ln>
+        </p:spPr>
+      </p:pic>
+    </p:spTree>
+  </p:cSld>
+  <mc:AlternateContent>
+    <mc:Choice Requires="p14">
+      <p:transition spd="slow" p14:dur="2000"/>
+    </mc:Choice>
+    <mc:Fallback>
+      <p:transition spd="slow"/>
+    </mc:Fallback>
+  </mc:AlternateContent>
+</p:sld>
+</file>
+
+<file path=ppt/slides/slide2.xml><?xml version="1.0" encoding="utf-8"?>
+<p:sld xmlns:a="http://schemas.openxmlformats.org/drawingml/2006/main" xmlns:p="http://schemas.openxmlformats.org/presentationml/2006/main" xmlns:r="http://schemas.openxmlformats.org/officeDocument/2006/relationships" xmlns:p14="http://schemas.microsoft.com/office/powerpoint/2010/main" xmlns:p15="http://schemas.microsoft.com/office/powerpoint/2012/main" xmlns:mc="http://schemas.openxmlformats.org/markup-compatibility/2006">
+  <p:cSld>
+    <p:spTree>
+      <p:nvGrpSpPr>
+        <p:cNvPr id="1" name=""/>
+        <p:cNvGrpSpPr/>
+        <p:nvPr/>
+      </p:nvGrpSpPr>
+      <p:grpSpPr>
+        <a:xfrm>
+          <a:off x="0" y="0"/>
+          <a:ext cx="0" cy="0"/>
+          <a:chOff x="0" y="0"/>
+          <a:chExt cx="0" cy="0"/>
+        </a:xfrm>
+      </p:grpSpPr>
+      <p:sp>
+        <p:nvSpPr>
+          <p:cNvPr id="40" name="CustomShape 1"/>
+          <p:cNvSpPr/>
+          <p:nvPr/>
+        </p:nvSpPr>
+        <p:spPr>
+          <a:xfrm>
+            <a:off x="2628000" y="3024000"/>
+            <a:ext cx="8928720" cy="1095840"/>
+          </a:xfrm>
+          <a:prstGeom prst="rect">
+            <a:avLst/>
+          </a:prstGeom>
+          <a:noFill/>
+          <a:ln>
+            <a:noFill/>
+          </a:ln>
+        </p:spPr>
+        <p:style>
+          <a:lnRef idx="0"/>
+          <a:fillRef idx="0"/>
+          <a:effectRef idx="0"/>
+          <a:fontRef idx="minor"/>
+        </p:style>
+        <p:txBody>
+          <a:bodyPr lIns="90000" rIns="90000" tIns="45000" bIns="45000">
+            <a:spAutoFit/>
+          </a:bodyPr>
+          <a:p>
+            <a:pPr>
+              <a:lnSpc>
+                <a:spcPct val="100000"/>
+              </a:lnSpc>
+            </a:pPr>
+            <a:r>
+              <a:rPr b="0" lang="fr-FR" sz="6600" spc="-1" strike="noStrike">
+                <a:solidFill>
+                  <a:srgbClr val="000000"/>
+                </a:solidFill>
+                <a:latin typeface="Ubuntu"/>
+                <a:ea typeface="Cambria"/>
+              </a:rPr>
+              <a:t>COVID-19 challenge</a:t>
+            </a:r>
+            <a:endParaRPr b="0" lang="en-GB" sz="6600" spc="-1" strike="noStrike">
+              <a:latin typeface="Ubuntu"/>
+            </a:endParaRPr>
+          </a:p>
+        </p:txBody>
+      </p:sp>
+      <p:pic>
+        <p:nvPicPr>
+          <p:cNvPr id="41" name="" descr=""/>
+          <p:cNvPicPr/>
+          <p:nvPr/>
+        </p:nvPicPr>
+        <p:blipFill>
+          <a:blip r:embed="rId1"/>
+          <a:stretch/>
+        </p:blipFill>
+        <p:spPr>
+          <a:xfrm>
+            <a:off x="640080" y="2700000"/>
+            <a:ext cx="1578960" cy="1823040"/>
+          </a:xfrm>
+          <a:prstGeom prst="rect">
+            <a:avLst/>
+          </a:prstGeom>
+          <a:ln>
+            <a:noFill/>
+          </a:ln>
+        </p:spPr>
+      </p:pic>
+    </p:spTree>
+  </p:cSld>
+  <mc:AlternateContent>
+    <mc:Choice Requires="p14">
+      <p:transition spd="slow" p14:dur="2000"/>
+    </mc:Choice>
+    <mc:Fallback>
+      <p:transition spd="slow"/>
+    </mc:Fallback>
+  </mc:AlternateContent>
+</p:sld>
+</file>
+
+<file path=ppt/slides/slide3.xml><?xml version="1.0" encoding="utf-8"?>
+<p:sld xmlns:a="http://schemas.openxmlformats.org/drawingml/2006/main" xmlns:p="http://schemas.openxmlformats.org/presentationml/2006/main" xmlns:r="http://schemas.openxmlformats.org/officeDocument/2006/relationships" xmlns:p14="http://schemas.microsoft.com/office/powerpoint/2010/main" xmlns:p15="http://schemas.microsoft.com/office/powerpoint/2012/main" xmlns:mc="http://schemas.openxmlformats.org/markup-compatibility/2006">
+  <p:cSld>
+    <p:spTree>
+      <p:nvGrpSpPr>
+        <p:cNvPr id="1" name=""/>
+        <p:cNvGrpSpPr/>
+        <p:nvPr/>
+      </p:nvGrpSpPr>
+      <p:grpSpPr>
+        <a:xfrm>
+          <a:off x="0" y="0"/>
+          <a:ext cx="0" cy="0"/>
+          <a:chOff x="0" y="0"/>
+          <a:chExt cx="0" cy="0"/>
+        </a:xfrm>
+      </p:grpSpPr>
+      <p:sp>
+        <p:nvSpPr>
+          <p:cNvPr id="42" name="CustomShape 1"/>
+          <p:cNvSpPr/>
+          <p:nvPr/>
+        </p:nvSpPr>
+        <p:spPr>
+          <a:xfrm>
+            <a:off x="288000" y="3024000"/>
+            <a:ext cx="12709080" cy="1095840"/>
+          </a:xfrm>
+          <a:prstGeom prst="rect">
+            <a:avLst/>
+          </a:prstGeom>
+          <a:noFill/>
+          <a:ln>
+            <a:noFill/>
+          </a:ln>
+        </p:spPr>
+        <p:style>
+          <a:lnRef idx="0"/>
+          <a:fillRef idx="0"/>
+          <a:effectRef idx="0"/>
+          <a:fontRef idx="minor"/>
+        </p:style>
+        <p:txBody>
+          <a:bodyPr lIns="90000" rIns="90000" tIns="45000" bIns="45000">
+            <a:spAutoFit/>
+          </a:bodyPr>
+          <a:p>
+            <a:pPr>
+              <a:lnSpc>
+                <a:spcPct val="100000"/>
+              </a:lnSpc>
+            </a:pPr>
+            <a:r>
+              <a:rPr b="0" lang="fr-FR" sz="6600" spc="-1" strike="noStrike">
+                <a:solidFill>
+                  <a:srgbClr val="000000"/>
+                </a:solidFill>
+                <a:latin typeface="Ubuntu"/>
+                <a:ea typeface="Cambria"/>
+              </a:rPr>
+              <a:t>RECON COVID-19 challenge</a:t>
+            </a:r>
+            <a:endParaRPr b="0" lang="en-GB" sz="6600" spc="-1" strike="noStrike">
+              <a:latin typeface="Ubuntu"/>
+            </a:endParaRPr>
+          </a:p>
+        </p:txBody>
+      </p:sp>
+    </p:spTree>
+  </p:cSld>
+  <mc:AlternateContent>
+    <mc:Choice Requires="p14">
+      <p:transition spd="slow" p14:dur="2000"/>
+    </mc:Choice>
+    <mc:Fallback>
+      <p:transition spd="slow"/>
+    </mc:Fallback>
+  </mc:AlternateContent>
+</p:sld>
+</file>
+
+<file path=ppt/slides/slide4.xml><?xml version="1.0" encoding="utf-8"?>
+<p:sld xmlns:a="http://schemas.openxmlformats.org/drawingml/2006/main" xmlns:p="http://schemas.openxmlformats.org/presentationml/2006/main" xmlns:r="http://schemas.openxmlformats.org/officeDocument/2006/relationships" xmlns:p14="http://schemas.microsoft.com/office/powerpoint/2010/main" xmlns:p15="http://schemas.microsoft.com/office/powerpoint/2012/main" xmlns:mc="http://schemas.openxmlformats.org/markup-compatibility/2006">
+  <p:cSld>
+    <p:bg>
+      <p:bgPr>
+        <a:solidFill>
+          <a:srgbClr val="314f96"/>
+        </a:solidFill>
+      </p:bgPr>
+    </p:bg>
+    <p:spTree>
+      <p:nvGrpSpPr>
+        <p:cNvPr id="1" name=""/>
+        <p:cNvGrpSpPr/>
+        <p:nvPr/>
+      </p:nvGrpSpPr>
+      <p:grpSpPr>
+        <a:xfrm>
+          <a:off x="0" y="0"/>
+          <a:ext cx="0" cy="0"/>
+          <a:chOff x="0" y="0"/>
+          <a:chExt cx="0" cy="0"/>
+        </a:xfrm>
+      </p:grpSpPr>
+      <p:pic>
+        <p:nvPicPr>
+          <p:cNvPr id="43" name="" descr=""/>
+          <p:cNvPicPr/>
+          <p:nvPr/>
+        </p:nvPicPr>
+        <p:blipFill>
+          <a:blip r:embed="rId1"/>
+          <a:stretch/>
+        </p:blipFill>
+        <p:spPr>
+          <a:xfrm>
+            <a:off x="29160" y="2540160"/>
+            <a:ext cx="12192840" cy="1788120"/>
           </a:xfrm>
           <a:prstGeom prst="rect">
             <a:avLst/>
